--- a/ppt/05-26.pptx
+++ b/ppt/05-26.pptx
@@ -5,7 +5,8 @@
     <p:sldMasterId id="2147483648" r:id="rId1"/>
   </p:sldMasterIdLst>
   <p:sldIdLst>
-    <p:sldId id="281" r:id="rId2"/>
+    <p:sldId id="282" r:id="rId2"/>
+    <p:sldId id="281" r:id="rId3"/>
   </p:sldIdLst>
   <p:sldSz cx="12192000" cy="6858000"/>
   <p:notesSz cx="6858000" cy="9144000"/>
@@ -3011,6 +3012,404 @@
           </a:p>
         </p:txBody>
       </p:sp>
+      <p:pic>
+        <p:nvPicPr>
+          <p:cNvPr id="4" name="그림 3">
+            <a:extLst>
+              <a:ext uri="{FF2B5EF4-FFF2-40B4-BE49-F238E27FC236}">
+                <a16:creationId xmlns:a16="http://schemas.microsoft.com/office/drawing/2014/main" id="{60E80B22-A779-28A1-2E4B-5EC91E94AE97}"/>
+              </a:ext>
+            </a:extLst>
+          </p:cNvPr>
+          <p:cNvPicPr>
+            <a:picLocks noChangeAspect="1"/>
+          </p:cNvPicPr>
+          <p:nvPr/>
+        </p:nvPicPr>
+        <p:blipFill>
+          <a:blip r:embed="rId2"/>
+          <a:stretch>
+            <a:fillRect/>
+          </a:stretch>
+        </p:blipFill>
+        <p:spPr>
+          <a:xfrm>
+            <a:off x="5994601" y="697150"/>
+            <a:ext cx="2702525" cy="5869331"/>
+          </a:xfrm>
+          <a:prstGeom prst="rect">
+            <a:avLst/>
+          </a:prstGeom>
+        </p:spPr>
+      </p:pic>
+      <p:cxnSp>
+        <p:nvCxnSpPr>
+          <p:cNvPr id="6" name="직선 화살표 연결선 5">
+            <a:extLst>
+              <a:ext uri="{FF2B5EF4-FFF2-40B4-BE49-F238E27FC236}">
+                <a16:creationId xmlns:a16="http://schemas.microsoft.com/office/drawing/2014/main" id="{B2E07428-B275-21EE-610C-582D10C4B7A5}"/>
+              </a:ext>
+            </a:extLst>
+          </p:cNvPr>
+          <p:cNvCxnSpPr/>
+          <p:nvPr/>
+        </p:nvCxnSpPr>
+        <p:spPr>
+          <a:xfrm flipH="1">
+            <a:off x="8043333" y="5901267"/>
+            <a:ext cx="1371600" cy="0"/>
+          </a:xfrm>
+          <a:prstGeom prst="straightConnector1">
+            <a:avLst/>
+          </a:prstGeom>
+          <a:ln>
+            <a:tailEnd type="triangle"/>
+          </a:ln>
+        </p:spPr>
+        <p:style>
+          <a:lnRef idx="1">
+            <a:schemeClr val="accent1"/>
+          </a:lnRef>
+          <a:fillRef idx="0">
+            <a:schemeClr val="accent1"/>
+          </a:fillRef>
+          <a:effectRef idx="0">
+            <a:schemeClr val="accent1"/>
+          </a:effectRef>
+          <a:fontRef idx="minor">
+            <a:schemeClr val="tx1"/>
+          </a:fontRef>
+        </p:style>
+      </p:cxnSp>
+      <p:sp>
+        <p:nvSpPr>
+          <p:cNvPr id="7" name="TextBox 6">
+            <a:extLst>
+              <a:ext uri="{FF2B5EF4-FFF2-40B4-BE49-F238E27FC236}">
+                <a16:creationId xmlns:a16="http://schemas.microsoft.com/office/drawing/2014/main" id="{94BC7A91-0675-F39E-CA02-1736EB5DEF66}"/>
+              </a:ext>
+            </a:extLst>
+          </p:cNvPr>
+          <p:cNvSpPr txBox="1"/>
+          <p:nvPr/>
+        </p:nvSpPr>
+        <p:spPr>
+          <a:xfrm>
+            <a:off x="9560580" y="5747378"/>
+            <a:ext cx="1903085" cy="307777"/>
+          </a:xfrm>
+          <a:prstGeom prst="rect">
+            <a:avLst/>
+          </a:prstGeom>
+          <a:noFill/>
+        </p:spPr>
+        <p:txBody>
+          <a:bodyPr wrap="none" rtlCol="0">
+            <a:spAutoFit/>
+          </a:bodyPr>
+          <a:lstStyle/>
+          <a:p>
+            <a:r>
+              <a:rPr lang="ko-KR" altLang="en-US" sz="1400" dirty="0"/>
+              <a:t>주소창이 고정됩니다</a:t>
+            </a:r>
+            <a:r>
+              <a:rPr lang="en-US" altLang="ko-KR" sz="1400" dirty="0"/>
+              <a:t>.</a:t>
+            </a:r>
+            <a:endParaRPr lang="ko-KR" altLang="en-US" sz="1400" dirty="0"/>
+          </a:p>
+        </p:txBody>
+      </p:sp>
+      <p:sp>
+        <p:nvSpPr>
+          <p:cNvPr id="8" name="TextBox 7">
+            <a:extLst>
+              <a:ext uri="{FF2B5EF4-FFF2-40B4-BE49-F238E27FC236}">
+                <a16:creationId xmlns:a16="http://schemas.microsoft.com/office/drawing/2014/main" id="{8986681E-9F2F-D86A-CDB4-8963F3333E84}"/>
+              </a:ext>
+            </a:extLst>
+          </p:cNvPr>
+          <p:cNvSpPr txBox="1"/>
+          <p:nvPr/>
+        </p:nvSpPr>
+        <p:spPr>
+          <a:xfrm>
+            <a:off x="299803" y="1109133"/>
+            <a:ext cx="4134465" cy="954107"/>
+          </a:xfrm>
+          <a:prstGeom prst="rect">
+            <a:avLst/>
+          </a:prstGeom>
+          <a:noFill/>
+        </p:spPr>
+        <p:txBody>
+          <a:bodyPr wrap="none" rtlCol="0">
+            <a:spAutoFit/>
+          </a:bodyPr>
+          <a:lstStyle/>
+          <a:p>
+            <a:r>
+              <a:rPr lang="ko-KR" altLang="en-US" sz="1400" dirty="0"/>
+              <a:t>모바일 사파리 브라우저에서 </a:t>
+            </a:r>
+            <a:r>
+              <a:rPr lang="ko-KR" altLang="en-US" sz="1400" dirty="0" err="1"/>
+              <a:t>팅김</a:t>
+            </a:r>
+            <a:r>
+              <a:rPr lang="en-US" altLang="ko-KR" sz="1400" dirty="0"/>
+              <a:t>(</a:t>
+            </a:r>
+            <a:r>
+              <a:rPr lang="ko-KR" altLang="en-US" sz="1400" dirty="0" err="1"/>
+              <a:t>바운스</a:t>
+            </a:r>
+            <a:r>
+              <a:rPr lang="en-US" altLang="ko-KR" sz="1400" dirty="0"/>
+              <a:t>)</a:t>
+            </a:r>
+            <a:r>
+              <a:rPr lang="ko-KR" altLang="en-US" sz="1400" dirty="0"/>
+              <a:t> 현상을</a:t>
+            </a:r>
+            <a:endParaRPr lang="en-US" altLang="ko-KR" sz="1400" dirty="0"/>
+          </a:p>
+          <a:p>
+            <a:r>
+              <a:rPr lang="ko-KR" altLang="en-US" sz="1400" dirty="0"/>
+              <a:t>어느정도 제거했습니다</a:t>
+            </a:r>
+            <a:r>
+              <a:rPr lang="en-US" altLang="ko-KR" sz="1400" dirty="0"/>
+              <a:t>.</a:t>
+            </a:r>
+          </a:p>
+          <a:p>
+            <a:endParaRPr lang="en-US" altLang="ko-KR" sz="1400" dirty="0"/>
+          </a:p>
+          <a:p>
+            <a:r>
+              <a:rPr lang="ko-KR" altLang="en-US" sz="1400" dirty="0" err="1"/>
+              <a:t>지도쪽</a:t>
+            </a:r>
+            <a:r>
+              <a:rPr lang="ko-KR" altLang="en-US" sz="1400" dirty="0"/>
+              <a:t> 테스트해보시면 체감이 </a:t>
+            </a:r>
+            <a:r>
+              <a:rPr lang="ko-KR" altLang="en-US" sz="1400" dirty="0" err="1"/>
+              <a:t>되실겁니다</a:t>
+            </a:r>
+            <a:r>
+              <a:rPr lang="en-US" altLang="ko-KR" sz="1400" dirty="0"/>
+              <a:t>.</a:t>
+            </a:r>
+            <a:endParaRPr lang="ko-KR" altLang="en-US" sz="1400" dirty="0"/>
+          </a:p>
+        </p:txBody>
+      </p:sp>
+    </p:spTree>
+    <p:extLst>
+      <p:ext uri="{BB962C8B-B14F-4D97-AF65-F5344CB8AC3E}">
+        <p14:creationId xmlns:p14="http://schemas.microsoft.com/office/powerpoint/2010/main" val="3659095552"/>
+      </p:ext>
+    </p:extLst>
+  </p:cSld>
+  <p:clrMapOvr>
+    <a:masterClrMapping/>
+  </p:clrMapOvr>
+</p:sld>
+</file>
+
+<file path=ppt/slides/slide2.xml><?xml version="1.0" encoding="utf-8"?>
+<p:sld xmlns:a="http://schemas.openxmlformats.org/drawingml/2006/main" xmlns:r="http://schemas.openxmlformats.org/officeDocument/2006/relationships" xmlns:p="http://schemas.openxmlformats.org/presentationml/2006/main">
+  <p:cSld>
+    <p:spTree>
+      <p:nvGrpSpPr>
+        <p:cNvPr id="1" name=""/>
+        <p:cNvGrpSpPr/>
+        <p:nvPr/>
+      </p:nvGrpSpPr>
+      <p:grpSpPr>
+        <a:xfrm>
+          <a:off x="0" y="0"/>
+          <a:ext cx="0" cy="0"/>
+          <a:chOff x="0" y="0"/>
+          <a:chExt cx="0" cy="0"/>
+        </a:xfrm>
+      </p:grpSpPr>
+      <p:sp>
+        <p:nvSpPr>
+          <p:cNvPr id="9" name="TextBox 8">
+            <a:extLst>
+              <a:ext uri="{FF2B5EF4-FFF2-40B4-BE49-F238E27FC236}">
+                <a16:creationId xmlns:a16="http://schemas.microsoft.com/office/drawing/2014/main" id="{F97013D0-FDC3-F1B7-58C2-05C6B5CBB73B}"/>
+              </a:ext>
+            </a:extLst>
+          </p:cNvPr>
+          <p:cNvSpPr txBox="1"/>
+          <p:nvPr/>
+        </p:nvSpPr>
+        <p:spPr>
+          <a:xfrm>
+            <a:off x="367536" y="203200"/>
+            <a:ext cx="965329" cy="307777"/>
+          </a:xfrm>
+          <a:prstGeom prst="rect">
+            <a:avLst/>
+          </a:prstGeom>
+          <a:noFill/>
+        </p:spPr>
+        <p:txBody>
+          <a:bodyPr wrap="none" rtlCol="0">
+            <a:spAutoFit/>
+          </a:bodyPr>
+          <a:lstStyle/>
+          <a:p>
+            <a:r>
+              <a:rPr lang="ko-KR" altLang="en-US" sz="1400" dirty="0">
+                <a:solidFill>
+                  <a:srgbClr val="FF0000"/>
+                </a:solidFill>
+              </a:rPr>
+              <a:t>수정한 곳</a:t>
+            </a:r>
+          </a:p>
+        </p:txBody>
+      </p:sp>
+      <p:sp>
+        <p:nvSpPr>
+          <p:cNvPr id="12" name="TextBox 11">
+            <a:extLst>
+              <a:ext uri="{FF2B5EF4-FFF2-40B4-BE49-F238E27FC236}">
+                <a16:creationId xmlns:a16="http://schemas.microsoft.com/office/drawing/2014/main" id="{14C9EE87-E3ED-8CBC-42CB-19CC91100333}"/>
+              </a:ext>
+            </a:extLst>
+          </p:cNvPr>
+          <p:cNvSpPr txBox="1"/>
+          <p:nvPr/>
+        </p:nvSpPr>
+        <p:spPr>
+          <a:xfrm>
+            <a:off x="517229" y="3569955"/>
+            <a:ext cx="1047723" cy="307777"/>
+          </a:xfrm>
+          <a:prstGeom prst="rect">
+            <a:avLst/>
+          </a:prstGeom>
+          <a:noFill/>
+        </p:spPr>
+        <p:txBody>
+          <a:bodyPr wrap="none" rtlCol="0">
+            <a:spAutoFit/>
+          </a:bodyPr>
+          <a:lstStyle/>
+          <a:p>
+            <a:r>
+              <a:rPr lang="en-US" altLang="ko-KR" sz="1400" dirty="0"/>
+              <a:t>globals.css</a:t>
+            </a:r>
+            <a:endParaRPr lang="ko-KR" altLang="en-US" sz="1400" dirty="0"/>
+          </a:p>
+        </p:txBody>
+      </p:sp>
+      <p:pic>
+        <p:nvPicPr>
+          <p:cNvPr id="14" name="그림 13">
+            <a:extLst>
+              <a:ext uri="{FF2B5EF4-FFF2-40B4-BE49-F238E27FC236}">
+                <a16:creationId xmlns:a16="http://schemas.microsoft.com/office/drawing/2014/main" id="{540D1A99-AF93-C055-EB52-2AA3D1847B65}"/>
+              </a:ext>
+            </a:extLst>
+          </p:cNvPr>
+          <p:cNvPicPr>
+            <a:picLocks noChangeAspect="1"/>
+          </p:cNvPicPr>
+          <p:nvPr/>
+        </p:nvPicPr>
+        <p:blipFill>
+          <a:blip r:embed="rId2"/>
+          <a:stretch>
+            <a:fillRect/>
+          </a:stretch>
+        </p:blipFill>
+        <p:spPr>
+          <a:xfrm>
+            <a:off x="367536" y="706410"/>
+            <a:ext cx="3991532" cy="2581635"/>
+          </a:xfrm>
+          <a:prstGeom prst="rect">
+            <a:avLst/>
+          </a:prstGeom>
+        </p:spPr>
+      </p:pic>
+      <p:pic>
+        <p:nvPicPr>
+          <p:cNvPr id="16" name="그림 15">
+            <a:extLst>
+              <a:ext uri="{FF2B5EF4-FFF2-40B4-BE49-F238E27FC236}">
+                <a16:creationId xmlns:a16="http://schemas.microsoft.com/office/drawing/2014/main" id="{42014979-8142-126A-D891-D7CBF1D83C00}"/>
+              </a:ext>
+            </a:extLst>
+          </p:cNvPr>
+          <p:cNvPicPr>
+            <a:picLocks noChangeAspect="1"/>
+          </p:cNvPicPr>
+          <p:nvPr/>
+        </p:nvPicPr>
+        <p:blipFill>
+          <a:blip r:embed="rId3"/>
+          <a:stretch>
+            <a:fillRect/>
+          </a:stretch>
+        </p:blipFill>
+        <p:spPr>
+          <a:xfrm>
+            <a:off x="5638952" y="1997227"/>
+            <a:ext cx="5401429" cy="1162212"/>
+          </a:xfrm>
+          <a:prstGeom prst="rect">
+            <a:avLst/>
+          </a:prstGeom>
+        </p:spPr>
+      </p:pic>
+      <p:sp>
+        <p:nvSpPr>
+          <p:cNvPr id="17" name="TextBox 16">
+            <a:extLst>
+              <a:ext uri="{FF2B5EF4-FFF2-40B4-BE49-F238E27FC236}">
+                <a16:creationId xmlns:a16="http://schemas.microsoft.com/office/drawing/2014/main" id="{F4C5074C-35B3-DC56-05A8-FEE8596DAB59}"/>
+              </a:ext>
+            </a:extLst>
+          </p:cNvPr>
+          <p:cNvSpPr txBox="1"/>
+          <p:nvPr/>
+        </p:nvSpPr>
+        <p:spPr>
+          <a:xfrm>
+            <a:off x="6130629" y="3569955"/>
+            <a:ext cx="497252" cy="307777"/>
+          </a:xfrm>
+          <a:prstGeom prst="rect">
+            <a:avLst/>
+          </a:prstGeom>
+          <a:noFill/>
+        </p:spPr>
+        <p:txBody>
+          <a:bodyPr wrap="none" rtlCol="0">
+            <a:spAutoFit/>
+          </a:bodyPr>
+          <a:lstStyle/>
+          <a:p>
+            <a:r>
+              <a:rPr lang="en-US" altLang="ko-KR" sz="1400" dirty="0"/>
+              <a:t>ui.js</a:t>
+            </a:r>
+            <a:endParaRPr lang="ko-KR" altLang="en-US" sz="1400" dirty="0"/>
+          </a:p>
+        </p:txBody>
+      </p:sp>
     </p:spTree>
     <p:extLst>
       <p:ext uri="{BB962C8B-B14F-4D97-AF65-F5344CB8AC3E}">
